--- a/03 Data_Processing/03__Data_Processing.pptx
+++ b/03 Data_Processing/03__Data_Processing.pptx
@@ -11,6 +11,7 @@
     <p:sldId id="390" r:id="rId5"/>
     <p:sldId id="391" r:id="rId6"/>
     <p:sldId id="392" r:id="rId7"/>
+    <p:sldId id="532" r:id="rId8"/>
   </p:sldIdLst>
   <p:sldSz cx="9144000" cy="6858000" type="screen4x3"/>
   <p:notesSz cx="6858000" cy="9144000"/>
@@ -6369,6 +6370,542 @@
 </p:sld>
 </file>
 
+<file path=ppt/slides/slide7.xml><?xml version="1.0" encoding="utf-8"?>
+<p:sld xmlns:a="http://schemas.openxmlformats.org/drawingml/2006/main" xmlns:r="http://schemas.openxmlformats.org/officeDocument/2006/relationships" xmlns:p="http://schemas.openxmlformats.org/presentationml/2006/main">
+  <p:cSld>
+    <p:spTree>
+      <p:nvGrpSpPr>
+        <p:cNvPr id="1" name=""/>
+        <p:cNvGrpSpPr/>
+        <p:nvPr/>
+      </p:nvGrpSpPr>
+      <p:grpSpPr>
+        <a:xfrm>
+          <a:off x="0" y="0"/>
+          <a:ext cx="0" cy="0"/>
+          <a:chOff x="0" y="0"/>
+          <a:chExt cx="0" cy="0"/>
+        </a:xfrm>
+      </p:grpSpPr>
+      <p:sp>
+        <p:nvSpPr>
+          <p:cNvPr id="2" name="Title 1">
+            <a:extLst>
+              <a:ext uri="{FF2B5EF4-FFF2-40B4-BE49-F238E27FC236}">
+                <a16:creationId xmlns:a16="http://schemas.microsoft.com/office/drawing/2014/main" id="{8B7F6E06-A868-0C45-B1A6-486B51B525D9}"/>
+              </a:ext>
+            </a:extLst>
+          </p:cNvPr>
+          <p:cNvSpPr>
+            <a:spLocks noGrp="1"/>
+          </p:cNvSpPr>
+          <p:nvPr>
+            <p:ph type="title"/>
+          </p:nvPr>
+        </p:nvSpPr>
+        <p:spPr>
+          <a:xfrm>
+            <a:off x="304800" y="76200"/>
+            <a:ext cx="8686800" cy="1143000"/>
+          </a:xfrm>
+        </p:spPr>
+        <p:txBody>
+          <a:bodyPr>
+            <a:normAutofit fontScale="90000"/>
+          </a:bodyPr>
+          <a:lstStyle/>
+          <a:p>
+            <a:pPr algn="ctr" eaLnBrk="1" fontAlgn="auto" hangingPunct="1">
+              <a:spcAft>
+                <a:spcPts val="0"/>
+              </a:spcAft>
+              <a:defRPr/>
+            </a:pPr>
+            <a:r>
+              <a:rPr lang="en-US" dirty="0">
+                <a:solidFill>
+                  <a:schemeClr val="tx2">
+                    <a:satMod val="130000"/>
+                  </a:schemeClr>
+                </a:solidFill>
+                <a:latin typeface="Arial Unicode MS" panose="020B0604020202020204" pitchFamily="34" charset="-128"/>
+                <a:ea typeface="Arial Unicode MS" panose="020B0604020202020204" pitchFamily="34" charset="-128"/>
+                <a:cs typeface="Arial Unicode MS" panose="020B0604020202020204" pitchFamily="34" charset="-128"/>
+              </a:rPr>
+              <a:t>Resources on Data Processing &amp; </a:t>
+            </a:r>
+            <a:br>
+              <a:rPr lang="en-US" dirty="0">
+                <a:solidFill>
+                  <a:schemeClr val="tx2">
+                    <a:satMod val="130000"/>
+                  </a:schemeClr>
+                </a:solidFill>
+                <a:latin typeface="Arial Unicode MS" panose="020B0604020202020204" pitchFamily="34" charset="-128"/>
+                <a:ea typeface="Arial Unicode MS" panose="020B0604020202020204" pitchFamily="34" charset="-128"/>
+                <a:cs typeface="Arial Unicode MS" panose="020B0604020202020204" pitchFamily="34" charset="-128"/>
+              </a:rPr>
+            </a:br>
+            <a:r>
+              <a:rPr lang="en-US" dirty="0">
+                <a:solidFill>
+                  <a:schemeClr val="tx2">
+                    <a:satMod val="130000"/>
+                  </a:schemeClr>
+                </a:solidFill>
+                <a:latin typeface="Arial Unicode MS" panose="020B0604020202020204" pitchFamily="34" charset="-128"/>
+                <a:ea typeface="Arial Unicode MS" panose="020B0604020202020204" pitchFamily="34" charset="-128"/>
+                <a:cs typeface="Arial Unicode MS" panose="020B0604020202020204" pitchFamily="34" charset="-128"/>
+              </a:rPr>
+              <a:t>Data Cleaning</a:t>
+            </a:r>
+          </a:p>
+        </p:txBody>
+      </p:sp>
+      <p:sp>
+        <p:nvSpPr>
+          <p:cNvPr id="19458" name="Text Placeholder 2">
+            <a:extLst>
+              <a:ext uri="{FF2B5EF4-FFF2-40B4-BE49-F238E27FC236}">
+                <a16:creationId xmlns:a16="http://schemas.microsoft.com/office/drawing/2014/main" id="{A1D0D235-AC8C-C84E-8DF2-AD64B3A22DEA}"/>
+              </a:ext>
+            </a:extLst>
+          </p:cNvPr>
+          <p:cNvSpPr txBox="1">
+            <a:spLocks/>
+          </p:cNvSpPr>
+          <p:nvPr/>
+        </p:nvSpPr>
+        <p:spPr bwMode="auto">
+          <a:xfrm>
+            <a:off x="685800" y="1219200"/>
+            <a:ext cx="8534400" cy="5486400"/>
+          </a:xfrm>
+          <a:prstGeom prst="rect">
+            <a:avLst/>
+          </a:prstGeom>
+          <a:noFill/>
+          <a:ln>
+            <a:noFill/>
+          </a:ln>
+          <a:extLst>
+            <a:ext uri="{909E8E84-426E-40DD-AFC4-6F175D3DCCD1}">
+              <a14:hiddenFill xmlns:a14="http://schemas.microsoft.com/office/drawing/2010/main">
+                <a:solidFill>
+                  <a:srgbClr val="FFFFFF"/>
+                </a:solidFill>
+              </a14:hiddenFill>
+            </a:ext>
+            <a:ext uri="{91240B29-F687-4F45-9708-019B960494DF}">
+              <a14:hiddenLine xmlns:a14="http://schemas.microsoft.com/office/drawing/2010/main" w="9525">
+                <a:solidFill>
+                  <a:srgbClr val="000000"/>
+                </a:solidFill>
+                <a:miter lim="800000"/>
+                <a:headEnd/>
+                <a:tailEnd/>
+              </a14:hiddenLine>
+            </a:ext>
+          </a:extLst>
+        </p:spPr>
+        <p:txBody>
+          <a:bodyPr/>
+          <a:lstStyle>
+            <a:lvl1pPr marL="365125" indent="-282575">
+              <a:spcBef>
+                <a:spcPts val="600"/>
+              </a:spcBef>
+              <a:buClr>
+                <a:schemeClr val="accent1"/>
+              </a:buClr>
+              <a:buSzPct val="80000"/>
+              <a:buFont typeface="Wingdings 2" pitchFamily="2" charset="2"/>
+              <a:buChar char=""/>
+              <a:defRPr sz="2800">
+                <a:solidFill>
+                  <a:schemeClr val="tx1"/>
+                </a:solidFill>
+                <a:latin typeface="Avenir Medium" panose="02000503020000020003" pitchFamily="2" charset="0"/>
+              </a:defRPr>
+            </a:lvl1pPr>
+            <a:lvl2pPr marL="639763" indent="-236538">
+              <a:spcBef>
+                <a:spcPts val="550"/>
+              </a:spcBef>
+              <a:buClr>
+                <a:schemeClr val="accent1"/>
+              </a:buClr>
+              <a:buFont typeface="Verdana" panose="020B0604030504040204" pitchFamily="34" charset="0"/>
+              <a:buChar char="◦"/>
+              <a:defRPr sz="2400">
+                <a:solidFill>
+                  <a:schemeClr val="tx1"/>
+                </a:solidFill>
+                <a:latin typeface="Arial" panose="020B0604020202020204" pitchFamily="34" charset="0"/>
+              </a:defRPr>
+            </a:lvl2pPr>
+            <a:lvl3pPr marL="885825" indent="-228600">
+              <a:spcBef>
+                <a:spcPct val="20000"/>
+              </a:spcBef>
+              <a:buClr>
+                <a:schemeClr val="accent2"/>
+              </a:buClr>
+              <a:buFont typeface="Wingdings 2" pitchFamily="2" charset="2"/>
+              <a:buChar char=""/>
+              <a:defRPr sz="2200">
+                <a:solidFill>
+                  <a:schemeClr val="tx1"/>
+                </a:solidFill>
+                <a:latin typeface="Book Antiqua" panose="02040602050305030304" pitchFamily="18" charset="0"/>
+              </a:defRPr>
+            </a:lvl3pPr>
+            <a:lvl4pPr marL="1096963" indent="-173038">
+              <a:spcBef>
+                <a:spcPct val="20000"/>
+              </a:spcBef>
+              <a:buClr>
+                <a:srgbClr val="C32D2E"/>
+              </a:buClr>
+              <a:buFont typeface="Wingdings 2" pitchFamily="2" charset="2"/>
+              <a:buChar char=""/>
+              <a:defRPr sz="2000">
+                <a:solidFill>
+                  <a:schemeClr val="tx1"/>
+                </a:solidFill>
+                <a:latin typeface="Gill Sans MT" panose="020B0502020104020203" pitchFamily="34" charset="77"/>
+              </a:defRPr>
+            </a:lvl4pPr>
+            <a:lvl5pPr marL="1296988" indent="-182563">
+              <a:spcBef>
+                <a:spcPct val="20000"/>
+              </a:spcBef>
+              <a:buClr>
+                <a:srgbClr val="84AA33"/>
+              </a:buClr>
+              <a:buFont typeface="Wingdings 2" pitchFamily="2" charset="2"/>
+              <a:buChar char=""/>
+              <a:defRPr sz="2000">
+                <a:solidFill>
+                  <a:schemeClr val="tx1"/>
+                </a:solidFill>
+                <a:latin typeface="Gill Sans MT" panose="020B0502020104020203" pitchFamily="34" charset="77"/>
+              </a:defRPr>
+            </a:lvl5pPr>
+            <a:lvl6pPr marL="1754188" indent="-182563" eaLnBrk="0" fontAlgn="base" hangingPunct="0">
+              <a:spcBef>
+                <a:spcPct val="20000"/>
+              </a:spcBef>
+              <a:spcAft>
+                <a:spcPct val="0"/>
+              </a:spcAft>
+              <a:buClr>
+                <a:srgbClr val="84AA33"/>
+              </a:buClr>
+              <a:buFont typeface="Wingdings 2" pitchFamily="2" charset="2"/>
+              <a:buChar char=""/>
+              <a:defRPr sz="2000">
+                <a:solidFill>
+                  <a:schemeClr val="tx1"/>
+                </a:solidFill>
+                <a:latin typeface="Gill Sans MT" panose="020B0502020104020203" pitchFamily="34" charset="77"/>
+              </a:defRPr>
+            </a:lvl6pPr>
+            <a:lvl7pPr marL="2211388" indent="-182563" eaLnBrk="0" fontAlgn="base" hangingPunct="0">
+              <a:spcBef>
+                <a:spcPct val="20000"/>
+              </a:spcBef>
+              <a:spcAft>
+                <a:spcPct val="0"/>
+              </a:spcAft>
+              <a:buClr>
+                <a:srgbClr val="84AA33"/>
+              </a:buClr>
+              <a:buFont typeface="Wingdings 2" pitchFamily="2" charset="2"/>
+              <a:buChar char=""/>
+              <a:defRPr sz="2000">
+                <a:solidFill>
+                  <a:schemeClr val="tx1"/>
+                </a:solidFill>
+                <a:latin typeface="Gill Sans MT" panose="020B0502020104020203" pitchFamily="34" charset="77"/>
+              </a:defRPr>
+            </a:lvl7pPr>
+            <a:lvl8pPr marL="2668588" indent="-182563" eaLnBrk="0" fontAlgn="base" hangingPunct="0">
+              <a:spcBef>
+                <a:spcPct val="20000"/>
+              </a:spcBef>
+              <a:spcAft>
+                <a:spcPct val="0"/>
+              </a:spcAft>
+              <a:buClr>
+                <a:srgbClr val="84AA33"/>
+              </a:buClr>
+              <a:buFont typeface="Wingdings 2" pitchFamily="2" charset="2"/>
+              <a:buChar char=""/>
+              <a:defRPr sz="2000">
+                <a:solidFill>
+                  <a:schemeClr val="tx1"/>
+                </a:solidFill>
+                <a:latin typeface="Gill Sans MT" panose="020B0502020104020203" pitchFamily="34" charset="77"/>
+              </a:defRPr>
+            </a:lvl8pPr>
+            <a:lvl9pPr marL="3125788" indent="-182563" eaLnBrk="0" fontAlgn="base" hangingPunct="0">
+              <a:spcBef>
+                <a:spcPct val="20000"/>
+              </a:spcBef>
+              <a:spcAft>
+                <a:spcPct val="0"/>
+              </a:spcAft>
+              <a:buClr>
+                <a:srgbClr val="84AA33"/>
+              </a:buClr>
+              <a:buFont typeface="Wingdings 2" pitchFamily="2" charset="2"/>
+              <a:buChar char=""/>
+              <a:defRPr sz="2000">
+                <a:solidFill>
+                  <a:schemeClr val="tx1"/>
+                </a:solidFill>
+                <a:latin typeface="Gill Sans MT" panose="020B0502020104020203" pitchFamily="34" charset="77"/>
+              </a:defRPr>
+            </a:lvl9pPr>
+          </a:lstStyle>
+          <a:p>
+            <a:pPr>
+              <a:lnSpc>
+                <a:spcPct val="110000"/>
+              </a:lnSpc>
+            </a:pPr>
+            <a:r>
+              <a:rPr lang="en-US" sz="2000" dirty="0"/>
+              <a:t>Hadley Wickham, Mine Cetinkaya-</a:t>
+            </a:r>
+            <a:r>
+              <a:rPr lang="en-US" sz="2000" dirty="0" err="1"/>
+              <a:t>Rundel</a:t>
+            </a:r>
+            <a:r>
+              <a:rPr lang="en-US" sz="2000" dirty="0"/>
+              <a:t>, Garrett </a:t>
+            </a:r>
+            <a:r>
+              <a:rPr lang="en-US" sz="2000" dirty="0" err="1"/>
+              <a:t>Grolemund</a:t>
+            </a:r>
+            <a:r>
+              <a:rPr lang="en-US" sz="2000" dirty="0"/>
+              <a:t>, - </a:t>
+            </a:r>
+            <a:r>
+              <a:rPr lang="en-US" sz="2000" i="1" dirty="0"/>
+              <a:t>R for Data Science</a:t>
+            </a:r>
+            <a:r>
+              <a:rPr lang="en-US" sz="2000" dirty="0"/>
+              <a:t>, O’Reilly (2023)</a:t>
+            </a:r>
+            <a:endParaRPr lang="en-US" sz="1800" dirty="0"/>
+          </a:p>
+          <a:p>
+            <a:pPr marL="82550" indent="0">
+              <a:lnSpc>
+                <a:spcPct val="110000"/>
+              </a:lnSpc>
+              <a:buNone/>
+            </a:pPr>
+            <a:r>
+              <a:rPr lang="en-US" sz="1400" dirty="0">
+                <a:hlinkClick r:id="rId2"/>
+              </a:rPr>
+              <a:t>https://r4ds.hadley.nz</a:t>
+            </a:r>
+            <a:endParaRPr lang="en-US" sz="1400" dirty="0"/>
+          </a:p>
+          <a:p>
+            <a:pPr marL="82550" indent="0">
+              <a:lnSpc>
+                <a:spcPct val="110000"/>
+              </a:lnSpc>
+              <a:buNone/>
+            </a:pPr>
+            <a:r>
+              <a:rPr lang="en-US" sz="1400" dirty="0"/>
+              <a:t>	- 2  Workflow: basics (</a:t>
+            </a:r>
+            <a:r>
+              <a:rPr lang="en-US" sz="1400" dirty="0">
+                <a:hlinkClick r:id="rId3"/>
+              </a:rPr>
+              <a:t>https://r4ds.hadley.nz/workflow-basics</a:t>
+            </a:r>
+            <a:r>
+              <a:rPr lang="en-US" sz="1400" dirty="0"/>
+              <a:t>)</a:t>
+            </a:r>
+          </a:p>
+          <a:p>
+            <a:pPr marL="82550" indent="0">
+              <a:lnSpc>
+                <a:spcPct val="110000"/>
+              </a:lnSpc>
+              <a:buNone/>
+            </a:pPr>
+            <a:r>
+              <a:rPr lang="en-US" sz="1400" dirty="0"/>
+              <a:t>	- 3  Data transformation (</a:t>
+            </a:r>
+            <a:r>
+              <a:rPr lang="en-US" sz="1400" dirty="0">
+                <a:hlinkClick r:id="rId4"/>
+              </a:rPr>
+              <a:t>https://r4ds.hadley.nz/data-transform</a:t>
+            </a:r>
+            <a:r>
+              <a:rPr lang="en-US" sz="1400" dirty="0"/>
+              <a:t>)</a:t>
+            </a:r>
+          </a:p>
+          <a:p>
+            <a:pPr marL="82550" indent="0">
+              <a:lnSpc>
+                <a:spcPct val="110000"/>
+              </a:lnSpc>
+              <a:buNone/>
+            </a:pPr>
+            <a:r>
+              <a:rPr lang="en-US" sz="1400" dirty="0"/>
+              <a:t>	- 5  Data tidying (</a:t>
+            </a:r>
+            <a:r>
+              <a:rPr lang="en-US" sz="1400" dirty="0">
+                <a:hlinkClick r:id="rId5"/>
+              </a:rPr>
+              <a:t>https://r4ds.hadley.nz/data-tidy</a:t>
+            </a:r>
+            <a:r>
+              <a:rPr lang="en-US" sz="1400" dirty="0"/>
+              <a:t>)</a:t>
+            </a:r>
+          </a:p>
+          <a:p>
+            <a:pPr marL="82550" indent="0">
+              <a:lnSpc>
+                <a:spcPct val="110000"/>
+              </a:lnSpc>
+              <a:buNone/>
+            </a:pPr>
+            <a:r>
+              <a:rPr lang="en-US" sz="1400" dirty="0"/>
+              <a:t>	- 7  Data import (</a:t>
+            </a:r>
+            <a:r>
+              <a:rPr lang="en-US" sz="1400" dirty="0">
+                <a:hlinkClick r:id="rId6"/>
+              </a:rPr>
+              <a:t>https://r4ds.hadley.nz/data-import</a:t>
+            </a:r>
+            <a:r>
+              <a:rPr lang="en-US" sz="1400" dirty="0"/>
+              <a:t>)</a:t>
+            </a:r>
+          </a:p>
+          <a:p>
+            <a:pPr marL="82550" indent="0">
+              <a:lnSpc>
+                <a:spcPct val="110000"/>
+              </a:lnSpc>
+              <a:buNone/>
+            </a:pPr>
+            <a:endParaRPr lang="en-US" sz="1400" dirty="0"/>
+          </a:p>
+          <a:p>
+            <a:pPr marL="82550" indent="0">
+              <a:lnSpc>
+                <a:spcPct val="110000"/>
+              </a:lnSpc>
+              <a:buNone/>
+            </a:pPr>
+            <a:r>
+              <a:rPr lang="en-US" sz="1400" dirty="0"/>
+              <a:t>	</a:t>
+            </a:r>
+          </a:p>
+          <a:p>
+            <a:pPr>
+              <a:lnSpc>
+                <a:spcPct val="110000"/>
+              </a:lnSpc>
+            </a:pPr>
+            <a:r>
+              <a:rPr lang="en-US" sz="2000" dirty="0"/>
+              <a:t>Cleaning Medical Data with R (2023-12) 2:53:15</a:t>
+            </a:r>
+          </a:p>
+          <a:p>
+            <a:pPr marL="82550" indent="0">
+              <a:lnSpc>
+                <a:spcPct val="110000"/>
+              </a:lnSpc>
+              <a:buNone/>
+            </a:pPr>
+            <a:r>
+              <a:rPr lang="en-US" sz="1200" dirty="0">
+                <a:hlinkClick r:id="rId7"/>
+              </a:rPr>
+              <a:t>https://www.youtube.com/watch?v=6wFYAMwYzM4&amp;list=RDCMUC_R5smHVXRYGhZYDJsnXTwg&amp;start_radio=1</a:t>
+            </a:r>
+            <a:endParaRPr lang="en-US" sz="2000" dirty="0"/>
+          </a:p>
+          <a:p>
+            <a:pPr>
+              <a:lnSpc>
+                <a:spcPct val="110000"/>
+              </a:lnSpc>
+            </a:pPr>
+            <a:endParaRPr lang="en-US" sz="2000" dirty="0"/>
+          </a:p>
+          <a:p>
+            <a:pPr lvl="1" eaLnBrk="1" hangingPunct="1">
+              <a:buFont typeface="Verdana" panose="020B0604030504040204" pitchFamily="34" charset="0"/>
+              <a:buNone/>
+            </a:pPr>
+            <a:endParaRPr lang="en-US" altLang="en-US" sz="1500" dirty="0">
+              <a:latin typeface="Avenir Medium" panose="02000503020000020003" pitchFamily="2" charset="0"/>
+            </a:endParaRPr>
+          </a:p>
+          <a:p>
+            <a:pPr lvl="1" eaLnBrk="1" hangingPunct="1">
+              <a:buFont typeface="Verdana" panose="020B0604030504040204" pitchFamily="34" charset="0"/>
+              <a:buNone/>
+            </a:pPr>
+            <a:endParaRPr lang="en-US" altLang="en-US" sz="1500" dirty="0">
+              <a:latin typeface="Avenir Medium" panose="02000503020000020003" pitchFamily="2" charset="0"/>
+            </a:endParaRPr>
+          </a:p>
+          <a:p>
+            <a:pPr eaLnBrk="1" hangingPunct="1"/>
+            <a:endParaRPr lang="en-US" altLang="en-US" sz="2300" dirty="0">
+              <a:ea typeface="Avenir Medium" panose="02000503020000020003" pitchFamily="2" charset="0"/>
+              <a:cs typeface="Avenir Medium" panose="02000503020000020003" pitchFamily="2" charset="0"/>
+            </a:endParaRPr>
+          </a:p>
+        </p:txBody>
+      </p:sp>
+    </p:spTree>
+    <p:extLst>
+      <p:ext uri="{BB962C8B-B14F-4D97-AF65-F5344CB8AC3E}">
+        <p14:creationId xmlns:p14="http://schemas.microsoft.com/office/powerpoint/2010/main" val="4156946306"/>
+      </p:ext>
+    </p:extLst>
+  </p:cSld>
+  <p:clrMapOvr>
+    <a:masterClrMapping/>
+  </p:clrMapOvr>
+  <p:transition>
+    <p:random/>
+  </p:transition>
+</p:sld>
+</file>
+
 <file path=ppt/theme/theme1.xml><?xml version="1.0" encoding="utf-8"?>
 <a:theme xmlns:a="http://schemas.openxmlformats.org/drawingml/2006/main" name="Solstice">
   <a:themeElements>
